--- a/Documentation/Presentation.pptx
+++ b/Documentation/Presentation.pptx
@@ -5,15 +5,16 @@
     <p:sldMasterId id="2147483666" r:id="rId1"/>
   </p:sldMasterIdLst>
   <p:notesMasterIdLst>
-    <p:notesMasterId r:id="rId8"/>
+    <p:notesMasterId r:id="rId9"/>
   </p:notesMasterIdLst>
   <p:sldIdLst>
     <p:sldId id="256" r:id="rId2"/>
     <p:sldId id="257" r:id="rId3"/>
     <p:sldId id="260" r:id="rId4"/>
     <p:sldId id="262" r:id="rId5"/>
-    <p:sldId id="268" r:id="rId6"/>
-    <p:sldId id="274" r:id="rId7"/>
+    <p:sldId id="275" r:id="rId6"/>
+    <p:sldId id="268" r:id="rId7"/>
+    <p:sldId id="274" r:id="rId8"/>
   </p:sldIdLst>
   <p:sldSz cx="9144000" cy="5143500" type="screen16x9"/>
   <p:notesSz cx="6858000" cy="9144000"/>
@@ -246,6 +247,11 @@
       </a:defRPr>
     </a:lvl9pPr>
   </p:defaultTextStyle>
+  <p:extLst>
+    <p:ext uri="{EFAFB233-063F-42B5-8137-9DF3F51BA10A}">
+      <p15:sldGuideLst xmlns:p15="http://schemas.microsoft.com/office/powerpoint/2012/main"/>
+    </p:ext>
+  </p:extLst>
 </p:presentation>
 </file>
 
@@ -9781,7 +9787,7 @@
               <a:buNone/>
             </a:pPr>
             <a:r>
-              <a:rPr lang="en-US" sz="6000" b="1" dirty="0" smtClean="0">
+              <a:rPr lang="en-US" sz="6000" b="1" dirty="0">
                 <a:solidFill>
                   <a:schemeClr val="accent1"/>
                 </a:solidFill>
@@ -19615,13 +19621,6 @@
   <p:transition spd="slow">
     <p:fade/>
   </p:transition>
-  <p:timing>
-    <p:tnLst>
-      <p:par>
-        <p:cTn id="1" dur="indefinite" restart="never" nodeType="tmRoot"/>
-      </p:par>
-    </p:tnLst>
-  </p:timing>
 </p:sld>
 </file>
 
@@ -19677,7 +19676,7 @@
               <a:buNone/>
             </a:pPr>
             <a:r>
-              <a:rPr lang="es" sz="4000" b="1" dirty="0" smtClean="0">
+              <a:rPr lang="es" sz="4000" b="1" dirty="0">
                 <a:solidFill>
                   <a:schemeClr val="accent1"/>
                 </a:solidFill>
@@ -19729,7 +19728,7 @@
               <a:buNone/>
             </a:pPr>
             <a:r>
-              <a:rPr lang="es" sz="6000" dirty="0" smtClean="0">
+              <a:rPr lang="es" sz="6000" dirty="0">
                 <a:solidFill>
                   <a:schemeClr val="accent1"/>
                 </a:solidFill>
@@ -19876,7 +19875,7 @@
               <a:buNone/>
             </a:pPr>
             <a:r>
-              <a:rPr lang="es" sz="4400" dirty="0" smtClean="0">
+              <a:rPr lang="es" sz="4400" dirty="0">
                 <a:latin typeface="Agency FB" panose="020B0503020202020204" pitchFamily="34" charset="0"/>
                 <a:ea typeface="Nirmala UI" panose="020B0502040204020203" pitchFamily="34" charset="0"/>
                 <a:cs typeface="Nirmala UI" panose="020B0502040204020203" pitchFamily="34" charset="0"/>
@@ -19918,7 +19917,7 @@
           <a:p>
             <a:pPr algn="ctr"/>
             <a:r>
-              <a:rPr lang="es" sz="4400" dirty="0" smtClean="0">
+              <a:rPr lang="es" sz="4400" dirty="0">
                 <a:latin typeface="Agency FB" panose="020B0503020202020204" pitchFamily="34" charset="0"/>
                 <a:ea typeface="Nirmala UI" panose="020B0502040204020203" pitchFamily="34" charset="0"/>
                 <a:cs typeface="Nirmala UI" panose="020B0502040204020203" pitchFamily="34" charset="0"/>
@@ -21002,13 +21001,6 @@
   <p:transition spd="slow">
     <p:fade/>
   </p:transition>
-  <p:timing>
-    <p:tnLst>
-      <p:par>
-        <p:cTn id="1" dur="indefinite" restart="never" nodeType="tmRoot"/>
-      </p:par>
-    </p:tnLst>
-  </p:timing>
 </p:sld>
 </file>
 
@@ -21064,7 +21056,7 @@
               <a:buNone/>
             </a:pPr>
             <a:r>
-              <a:rPr lang="es" sz="7200" dirty="0" smtClean="0">
+              <a:rPr lang="es" sz="7200" dirty="0">
                 <a:solidFill>
                   <a:srgbClr val="FFFFFF"/>
                 </a:solidFill>
@@ -26434,13 +26426,6 @@
   <p:transition spd="slow">
     <p:fade/>
   </p:transition>
-  <p:timing>
-    <p:tnLst>
-      <p:par>
-        <p:cTn id="1" dur="indefinite" restart="never" nodeType="tmRoot"/>
-      </p:par>
-    </p:tnLst>
-  </p:timing>
 </p:sld>
 </file>
 
@@ -26653,7 +26638,7 @@
               <a:buNone/>
             </a:pPr>
             <a:r>
-              <a:rPr lang="es" sz="4400" dirty="0" smtClean="0">
+              <a:rPr lang="es" sz="4400" dirty="0">
                 <a:latin typeface="Agency FB" panose="020B0503020202020204" pitchFamily="34" charset="0"/>
               </a:rPr>
               <a:t>Realization</a:t>
@@ -26702,7 +26687,7 @@
               <a:buNone/>
             </a:pPr>
             <a:r>
-              <a:rPr lang="es" sz="1600" dirty="0" smtClean="0">
+              <a:rPr lang="es" sz="1600" dirty="0">
                 <a:solidFill>
                   <a:schemeClr val="dk1"/>
                 </a:solidFill>
@@ -26754,7 +26739,7 @@
               <a:buNone/>
             </a:pPr>
             <a:r>
-              <a:rPr lang="es" sz="1600" dirty="0" smtClean="0">
+              <a:rPr lang="es" sz="1600" dirty="0">
                 <a:solidFill>
                   <a:schemeClr val="dk1"/>
                 </a:solidFill>
@@ -26806,7 +26791,7 @@
               <a:buNone/>
             </a:pPr>
             <a:r>
-              <a:rPr lang="es" sz="1600" dirty="0" smtClean="0">
+              <a:rPr lang="es" sz="1600" dirty="0">
                 <a:solidFill>
                   <a:schemeClr val="dk1"/>
                 </a:solidFill>
@@ -29720,17 +29705,261 @@
   <p:transition spd="slow">
     <p:fade/>
   </p:transition>
-  <p:timing>
-    <p:tnLst>
-      <p:par>
-        <p:cTn id="1" dur="indefinite" restart="never" nodeType="tmRoot"/>
-      </p:par>
-    </p:tnLst>
-  </p:timing>
 </p:sld>
 </file>
 
 <file path=ppt/slides/slide5.xml><?xml version="1.0" encoding="utf-8"?>
+<p:sld xmlns:a="http://schemas.openxmlformats.org/drawingml/2006/main" xmlns:r="http://schemas.openxmlformats.org/officeDocument/2006/relationships" xmlns:p="http://schemas.openxmlformats.org/presentationml/2006/main">
+  <p:cSld>
+    <p:spTree>
+      <p:nvGrpSpPr>
+        <p:cNvPr id="1" name=""/>
+        <p:cNvGrpSpPr/>
+        <p:nvPr/>
+      </p:nvGrpSpPr>
+      <p:grpSpPr>
+        <a:xfrm>
+          <a:off x="0" y="0"/>
+          <a:ext cx="0" cy="0"/>
+          <a:chOff x="0" y="0"/>
+          <a:chExt cx="0" cy="0"/>
+        </a:xfrm>
+      </p:grpSpPr>
+      <p:sp>
+        <p:nvSpPr>
+          <p:cNvPr id="2" name="Title 1">
+            <a:extLst>
+              <a:ext uri="{FF2B5EF4-FFF2-40B4-BE49-F238E27FC236}">
+                <a16:creationId xmlns:a16="http://schemas.microsoft.com/office/drawing/2014/main" id="{1D724BD1-5033-4B34-BA67-33C47DE2DD45}"/>
+              </a:ext>
+            </a:extLst>
+          </p:cNvPr>
+          <p:cNvSpPr>
+            <a:spLocks noGrp="1"/>
+          </p:cNvSpPr>
+          <p:nvPr>
+            <p:ph type="ctrTitle"/>
+          </p:nvPr>
+        </p:nvSpPr>
+        <p:spPr/>
+        <p:txBody>
+          <a:bodyPr/>
+          <a:lstStyle/>
+          <a:p>
+            <a:r>
+              <a:rPr lang="en-US" sz="4400" dirty="0">
+                <a:latin typeface="Agency FB" panose="020B0503020202020204" pitchFamily="34" charset="0"/>
+              </a:rPr>
+              <a:t>Used Technologies</a:t>
+            </a:r>
+          </a:p>
+        </p:txBody>
+      </p:sp>
+      <p:pic>
+        <p:nvPicPr>
+          <p:cNvPr id="4" name="Picture 3">
+            <a:extLst>
+              <a:ext uri="{FF2B5EF4-FFF2-40B4-BE49-F238E27FC236}">
+                <a16:creationId xmlns:a16="http://schemas.microsoft.com/office/drawing/2014/main" id="{79C0E466-91AC-4C00-B538-5D5B11D01639}"/>
+              </a:ext>
+            </a:extLst>
+          </p:cNvPr>
+          <p:cNvPicPr>
+            <a:picLocks noChangeAspect="1"/>
+          </p:cNvPicPr>
+          <p:nvPr/>
+        </p:nvPicPr>
+        <p:blipFill>
+          <a:blip r:embed="rId2"/>
+          <a:stretch>
+            <a:fillRect/>
+          </a:stretch>
+        </p:blipFill>
+        <p:spPr>
+          <a:xfrm>
+            <a:off x="1572896" y="1692385"/>
+            <a:ext cx="969112" cy="1061927"/>
+          </a:xfrm>
+          <a:prstGeom prst="rect">
+            <a:avLst/>
+          </a:prstGeom>
+        </p:spPr>
+      </p:pic>
+      <p:pic>
+        <p:nvPicPr>
+          <p:cNvPr id="6" name="Picture 5">
+            <a:extLst>
+              <a:ext uri="{FF2B5EF4-FFF2-40B4-BE49-F238E27FC236}">
+                <a16:creationId xmlns:a16="http://schemas.microsoft.com/office/drawing/2014/main" id="{7A61959F-C0AD-4C5E-BAD7-079BDB39377E}"/>
+              </a:ext>
+            </a:extLst>
+          </p:cNvPr>
+          <p:cNvPicPr>
+            <a:picLocks noChangeAspect="1"/>
+          </p:cNvPicPr>
+          <p:nvPr/>
+        </p:nvPicPr>
+        <p:blipFill>
+          <a:blip r:embed="rId3"/>
+          <a:stretch>
+            <a:fillRect/>
+          </a:stretch>
+        </p:blipFill>
+        <p:spPr>
+          <a:xfrm>
+            <a:off x="4066434" y="1649789"/>
+            <a:ext cx="1011131" cy="992372"/>
+          </a:xfrm>
+          <a:prstGeom prst="rect">
+            <a:avLst/>
+          </a:prstGeom>
+        </p:spPr>
+      </p:pic>
+      <p:pic>
+        <p:nvPicPr>
+          <p:cNvPr id="14" name="Picture 13">
+            <a:extLst>
+              <a:ext uri="{FF2B5EF4-FFF2-40B4-BE49-F238E27FC236}">
+                <a16:creationId xmlns:a16="http://schemas.microsoft.com/office/drawing/2014/main" id="{E161BC41-FDDC-4916-98B8-58CEA6D15E9B}"/>
+              </a:ext>
+            </a:extLst>
+          </p:cNvPr>
+          <p:cNvPicPr>
+            <a:picLocks noChangeAspect="1"/>
+          </p:cNvPicPr>
+          <p:nvPr/>
+        </p:nvPicPr>
+        <p:blipFill>
+          <a:blip r:embed="rId4"/>
+          <a:stretch>
+            <a:fillRect/>
+          </a:stretch>
+        </p:blipFill>
+        <p:spPr>
+          <a:xfrm>
+            <a:off x="1572896" y="3412315"/>
+            <a:ext cx="1011131" cy="1296627"/>
+          </a:xfrm>
+          <a:prstGeom prst="rect">
+            <a:avLst/>
+          </a:prstGeom>
+        </p:spPr>
+      </p:pic>
+      <p:pic>
+        <p:nvPicPr>
+          <p:cNvPr id="16" name="Picture 15">
+            <a:extLst>
+              <a:ext uri="{FF2B5EF4-FFF2-40B4-BE49-F238E27FC236}">
+                <a16:creationId xmlns:a16="http://schemas.microsoft.com/office/drawing/2014/main" id="{803BCEE1-326E-4EF4-8775-E144A6F3BFF8}"/>
+              </a:ext>
+            </a:extLst>
+          </p:cNvPr>
+          <p:cNvPicPr>
+            <a:picLocks noChangeAspect="1"/>
+          </p:cNvPicPr>
+          <p:nvPr/>
+        </p:nvPicPr>
+        <p:blipFill>
+          <a:blip r:embed="rId5">
+            <a:duotone>
+              <a:schemeClr val="accent1">
+                <a:shade val="45000"/>
+                <a:satMod val="135000"/>
+              </a:schemeClr>
+              <a:prstClr val="white"/>
+            </a:duotone>
+          </a:blip>
+          <a:stretch>
+            <a:fillRect/>
+          </a:stretch>
+        </p:blipFill>
+        <p:spPr>
+          <a:xfrm>
+            <a:off x="3185004" y="3408198"/>
+            <a:ext cx="2773990" cy="1192456"/>
+          </a:xfrm>
+          <a:prstGeom prst="rect">
+            <a:avLst/>
+          </a:prstGeom>
+        </p:spPr>
+      </p:pic>
+      <p:pic>
+        <p:nvPicPr>
+          <p:cNvPr id="18" name="Picture 17">
+            <a:extLst>
+              <a:ext uri="{FF2B5EF4-FFF2-40B4-BE49-F238E27FC236}">
+                <a16:creationId xmlns:a16="http://schemas.microsoft.com/office/drawing/2014/main" id="{1B0D5B1A-2765-4A18-845D-DDDB79365B61}"/>
+              </a:ext>
+            </a:extLst>
+          </p:cNvPr>
+          <p:cNvPicPr>
+            <a:picLocks noChangeAspect="1"/>
+          </p:cNvPicPr>
+          <p:nvPr/>
+        </p:nvPicPr>
+        <p:blipFill>
+          <a:blip r:embed="rId6"/>
+          <a:stretch>
+            <a:fillRect/>
+          </a:stretch>
+        </p:blipFill>
+        <p:spPr>
+          <a:xfrm>
+            <a:off x="6452184" y="1649789"/>
+            <a:ext cx="2241407" cy="683096"/>
+          </a:xfrm>
+          <a:prstGeom prst="rect">
+            <a:avLst/>
+          </a:prstGeom>
+        </p:spPr>
+      </p:pic>
+      <p:pic>
+        <p:nvPicPr>
+          <p:cNvPr id="20" name="Picture 19">
+            <a:extLst>
+              <a:ext uri="{FF2B5EF4-FFF2-40B4-BE49-F238E27FC236}">
+                <a16:creationId xmlns:a16="http://schemas.microsoft.com/office/drawing/2014/main" id="{049B1133-36C6-4E06-B740-26819CA1EF4F}"/>
+              </a:ext>
+            </a:extLst>
+          </p:cNvPr>
+          <p:cNvPicPr>
+            <a:picLocks noChangeAspect="1"/>
+          </p:cNvPicPr>
+          <p:nvPr/>
+        </p:nvPicPr>
+        <p:blipFill>
+          <a:blip r:embed="rId7"/>
+          <a:stretch>
+            <a:fillRect/>
+          </a:stretch>
+        </p:blipFill>
+        <p:spPr>
+          <a:xfrm>
+            <a:off x="7071164" y="3595840"/>
+            <a:ext cx="999880" cy="929576"/>
+          </a:xfrm>
+          <a:prstGeom prst="rect">
+            <a:avLst/>
+          </a:prstGeom>
+        </p:spPr>
+      </p:pic>
+    </p:spTree>
+    <p:extLst>
+      <p:ext uri="{BB962C8B-B14F-4D97-AF65-F5344CB8AC3E}">
+        <p14:creationId xmlns:p14="http://schemas.microsoft.com/office/powerpoint/2010/main" val="435927838"/>
+      </p:ext>
+    </p:extLst>
+  </p:cSld>
+  <p:clrMapOvr>
+    <a:masterClrMapping/>
+  </p:clrMapOvr>
+  <p:transition spd="slow">
+    <p:fade/>
+  </p:transition>
+</p:sld>
+</file>
+
+<file path=ppt/slides/slide6.xml><?xml version="1.0" encoding="utf-8"?>
 <p:sld xmlns:a="http://schemas.openxmlformats.org/drawingml/2006/main" xmlns:r="http://schemas.openxmlformats.org/officeDocument/2006/relationships" xmlns:p="http://schemas.openxmlformats.org/presentationml/2006/main">
   <p:cSld>
     <p:spTree>
@@ -29782,7 +30011,7 @@
               <a:buNone/>
             </a:pPr>
             <a:r>
-              <a:rPr lang="es" sz="4800" dirty="0" smtClean="0">
+              <a:rPr lang="es" sz="4800" dirty="0">
                 <a:latin typeface="Agency FB" panose="020B0503020202020204" pitchFamily="34" charset="0"/>
               </a:rPr>
               <a:t>Let’s jump to the project!</a:t>
@@ -30738,17 +30967,10 @@
   <p:transition spd="slow">
     <p:fade/>
   </p:transition>
-  <p:timing>
-    <p:tnLst>
-      <p:par>
-        <p:cTn id="1" dur="indefinite" restart="never" nodeType="tmRoot"/>
-      </p:par>
-    </p:tnLst>
-  </p:timing>
 </p:sld>
 </file>
 
-<file path=ppt/slides/slide6.xml><?xml version="1.0" encoding="utf-8"?>
+<file path=ppt/slides/slide7.xml><?xml version="1.0" encoding="utf-8"?>
 <p:sld xmlns:a="http://schemas.openxmlformats.org/drawingml/2006/main" xmlns:r="http://schemas.openxmlformats.org/officeDocument/2006/relationships" xmlns:p="http://schemas.openxmlformats.org/presentationml/2006/main">
   <p:cSld>
     <p:bg>
@@ -30819,7 +31041,7 @@
               <a:buNone/>
             </a:pPr>
             <a:r>
-              <a:rPr lang="en-US" sz="8000" b="1" dirty="0" smtClean="0">
+              <a:rPr lang="en-US" sz="8000" b="1" dirty="0">
                 <a:latin typeface="Agency FB" panose="020B0503020202020204" pitchFamily="34" charset="0"/>
               </a:rPr>
               <a:t>Thank you for your attention!</a:t>
@@ -43410,13 +43632,6 @@
   <p:transition spd="slow">
     <p:fade/>
   </p:transition>
-  <p:timing>
-    <p:tnLst>
-      <p:par>
-        <p:cTn id="1" dur="indefinite" restart="never" nodeType="tmRoot"/>
-      </p:par>
-    </p:tnLst>
-  </p:timing>
 </p:sld>
 </file>
 
